--- a/Capstone Presentation.pptx
+++ b/Capstone Presentation.pptx
@@ -5,22 +5,27 @@
     <p:sldMasterId id="2147483660" r:id="rId2"/>
   </p:sldMasterIdLst>
   <p:notesMasterIdLst>
-    <p:notesMasterId r:id="rId13"/>
+    <p:notesMasterId r:id="rId18"/>
   </p:notesMasterIdLst>
   <p:handoutMasterIdLst>
-    <p:handoutMasterId r:id="rId14"/>
+    <p:handoutMasterId r:id="rId19"/>
   </p:handoutMasterIdLst>
   <p:sldIdLst>
     <p:sldId id="257" r:id="rId3"/>
     <p:sldId id="268" r:id="rId4"/>
     <p:sldId id="272" r:id="rId5"/>
-    <p:sldId id="273" r:id="rId6"/>
-    <p:sldId id="280" r:id="rId7"/>
+    <p:sldId id="280" r:id="rId6"/>
+    <p:sldId id="273" r:id="rId7"/>
     <p:sldId id="279" r:id="rId8"/>
     <p:sldId id="282" r:id="rId9"/>
-    <p:sldId id="283" r:id="rId10"/>
-    <p:sldId id="278" r:id="rId11"/>
-    <p:sldId id="281" r:id="rId12"/>
+    <p:sldId id="285" r:id="rId10"/>
+    <p:sldId id="283" r:id="rId11"/>
+    <p:sldId id="286" r:id="rId12"/>
+    <p:sldId id="278" r:id="rId13"/>
+    <p:sldId id="284" r:id="rId14"/>
+    <p:sldId id="287" r:id="rId15"/>
+    <p:sldId id="281" r:id="rId16"/>
+    <p:sldId id="288" r:id="rId17"/>
   </p:sldIdLst>
   <p:sldSz cx="12188825" cy="6858000"/>
   <p:notesSz cx="6858000" cy="9144000"/>
@@ -234,7 +239,7 @@
           <a:p>
             <a:fld id="{FE5B4EDC-59C0-49C7-8ADA-5A781B329E02}" type="datetimeFigureOut">
               <a:rPr lang="en-US"/>
-              <a:t>4/14/2014</a:t>
+              <a:t>4/15/2014</a:t>
             </a:fld>
             <a:endParaRPr/>
           </a:p>
@@ -399,7 +404,7 @@
           <a:p>
             <a:fld id="{F2D8D46A-B586-417D-BFBD-8C8FE0AAF762}" type="datetimeFigureOut">
               <a:rPr lang="en-US"/>
-              <a:t>4/14/2014</a:t>
+              <a:t>4/15/2014</a:t>
             </a:fld>
             <a:endParaRPr/>
           </a:p>
@@ -1422,7 +1427,7 @@
           <a:p>
             <a:fld id="{F0DFD029-FB74-4578-B929-F66AA97659CA}" type="datetimeFigureOut">
               <a:rPr lang="en-US"/>
-              <a:t>4/14/2014</a:t>
+              <a:t>4/15/2014</a:t>
             </a:fld>
             <a:endParaRPr/>
           </a:p>
@@ -1627,7 +1632,7 @@
           <a:p>
             <a:fld id="{F0DFD029-FB74-4578-B929-F66AA97659CA}" type="datetimeFigureOut">
               <a:rPr lang="en-US"/>
-              <a:t>4/14/2014</a:t>
+              <a:t>4/15/2014</a:t>
             </a:fld>
             <a:endParaRPr/>
           </a:p>
@@ -1842,7 +1847,7 @@
           <a:p>
             <a:fld id="{F0DFD029-FB74-4578-B929-F66AA97659CA}" type="datetimeFigureOut">
               <a:rPr lang="en-US"/>
-              <a:t>4/14/2014</a:t>
+              <a:t>4/15/2014</a:t>
             </a:fld>
             <a:endParaRPr/>
           </a:p>
@@ -2047,7 +2052,7 @@
           <a:p>
             <a:fld id="{F0DFD029-FB74-4578-B929-F66AA97659CA}" type="datetimeFigureOut">
               <a:rPr lang="en-US"/>
-              <a:t>4/14/2014</a:t>
+              <a:t>4/15/2014</a:t>
             </a:fld>
             <a:endParaRPr/>
           </a:p>
@@ -2317,7 +2322,7 @@
           <a:p>
             <a:fld id="{F0DFD029-FB74-4578-B929-F66AA97659CA}" type="datetimeFigureOut">
               <a:rPr lang="en-US"/>
-              <a:t>4/14/2014</a:t>
+              <a:t>4/15/2014</a:t>
             </a:fld>
             <a:endParaRPr/>
           </a:p>
@@ -2797,7 +2802,7 @@
           <a:p>
             <a:fld id="{F0DFD029-FB74-4578-B929-F66AA97659CA}" type="datetimeFigureOut">
               <a:rPr lang="en-US"/>
-              <a:t>4/14/2014</a:t>
+              <a:t>4/15/2014</a:t>
             </a:fld>
             <a:endParaRPr/>
           </a:p>
@@ -3260,7 +3265,7 @@
           <a:p>
             <a:fld id="{F0DFD029-FB74-4578-B929-F66AA97659CA}" type="datetimeFigureOut">
               <a:rPr lang="en-US"/>
-              <a:t>4/14/2014</a:t>
+              <a:t>4/15/2014</a:t>
             </a:fld>
             <a:endParaRPr/>
           </a:p>
@@ -3397,7 +3402,7 @@
           <a:p>
             <a:fld id="{F0DFD029-FB74-4578-B929-F66AA97659CA}" type="datetimeFigureOut">
               <a:rPr lang="en-US"/>
-              <a:t>4/14/2014</a:t>
+              <a:t>4/15/2014</a:t>
             </a:fld>
             <a:endParaRPr/>
           </a:p>
@@ -3511,7 +3516,7 @@
           <a:p>
             <a:fld id="{F0DFD029-FB74-4578-B929-F66AA97659CA}" type="datetimeFigureOut">
               <a:rPr lang="en-US"/>
-              <a:t>4/14/2014</a:t>
+              <a:t>4/15/2014</a:t>
             </a:fld>
             <a:endParaRPr/>
           </a:p>
@@ -3817,7 +3822,7 @@
           <a:p>
             <a:fld id="{F0DFD029-FB74-4578-B929-F66AA97659CA}" type="datetimeFigureOut">
               <a:rPr lang="en-US"/>
-              <a:t>4/14/2014</a:t>
+              <a:t>4/15/2014</a:t>
             </a:fld>
             <a:endParaRPr/>
           </a:p>
@@ -4112,7 +4117,7 @@
           <a:p>
             <a:fld id="{F0DFD029-FB74-4578-B929-F66AA97659CA}" type="datetimeFigureOut">
               <a:rPr lang="en-US"/>
-              <a:t>4/14/2014</a:t>
+              <a:t>4/15/2014</a:t>
             </a:fld>
             <a:endParaRPr/>
           </a:p>
@@ -4742,7 +4747,7 @@
             <a:fld id="{F0DFD029-FB74-4578-B929-F66AA97659CA}" type="datetimeFigureOut">
               <a:rPr lang="en-US"/>
               <a:pPr/>
-              <a:t>4/14/2014</a:t>
+              <a:t>4/15/2014</a:t>
             </a:fld>
             <a:endParaRPr/>
           </a:p>
@@ -5347,6 +5352,413 @@
             <p:ph type="title"/>
           </p:nvPr>
         </p:nvSpPr>
+        <p:spPr/>
+        <p:txBody>
+          <a:bodyPr/>
+          <a:lstStyle/>
+          <a:p>
+            <a:r>
+              <a:rPr lang="en-US" dirty="0" smtClean="0"/>
+              <a:t>Demo II</a:t>
+            </a:r>
+            <a:endParaRPr lang="en-US" dirty="0"/>
+          </a:p>
+        </p:txBody>
+      </p:sp>
+      <p:sp>
+        <p:nvSpPr>
+          <p:cNvPr id="3" name="Content Placeholder 2"/>
+          <p:cNvSpPr>
+            <a:spLocks noGrp="1"/>
+          </p:cNvSpPr>
+          <p:nvPr>
+            <p:ph idx="1"/>
+          </p:nvPr>
+        </p:nvSpPr>
+        <p:spPr/>
+        <p:txBody>
+          <a:bodyPr/>
+          <a:lstStyle/>
+          <a:p>
+            <a:endParaRPr lang="en-CA"/>
+          </a:p>
+        </p:txBody>
+      </p:sp>
+    </p:spTree>
+    <p:extLst>
+      <p:ext uri="{BB962C8B-B14F-4D97-AF65-F5344CB8AC3E}">
+        <p14:creationId xmlns:p14="http://schemas.microsoft.com/office/powerpoint/2010/main" val="3392355981"/>
+      </p:ext>
+    </p:extLst>
+  </p:cSld>
+  <p:clrMapOvr>
+    <a:masterClrMapping/>
+  </p:clrMapOvr>
+  <mc:AlternateContent xmlns:mc="http://schemas.openxmlformats.org/markup-compatibility/2006" xmlns:p14="http://schemas.microsoft.com/office/powerpoint/2010/main">
+    <mc:Choice Requires="p14">
+      <p:transition spd="med" p14:dur="700">
+        <p:fade/>
+      </p:transition>
+    </mc:Choice>
+    <mc:Fallback xmlns="">
+      <p:transition spd="med">
+        <p:fade/>
+      </p:transition>
+    </mc:Fallback>
+  </mc:AlternateContent>
+  <p:timing>
+    <p:tnLst>
+      <p:par>
+        <p:cTn id="1" dur="indefinite" restart="never" nodeType="tmRoot"/>
+      </p:par>
+    </p:tnLst>
+  </p:timing>
+</p:sld>
+</file>
+
+<file path=ppt/slides/slide11.xml><?xml version="1.0" encoding="utf-8"?>
+<p:sld xmlns:a="http://schemas.openxmlformats.org/drawingml/2006/main" xmlns:r="http://schemas.openxmlformats.org/officeDocument/2006/relationships" xmlns:p="http://schemas.openxmlformats.org/presentationml/2006/main">
+  <p:cSld>
+    <p:spTree>
+      <p:nvGrpSpPr>
+        <p:cNvPr id="1" name=""/>
+        <p:cNvGrpSpPr/>
+        <p:nvPr/>
+      </p:nvGrpSpPr>
+      <p:grpSpPr>
+        <a:xfrm>
+          <a:off x="0" y="0"/>
+          <a:ext cx="0" cy="0"/>
+          <a:chOff x="0" y="0"/>
+          <a:chExt cx="0" cy="0"/>
+        </a:xfrm>
+      </p:grpSpPr>
+      <p:sp>
+        <p:nvSpPr>
+          <p:cNvPr id="13" name="Title 12"/>
+          <p:cNvSpPr>
+            <a:spLocks noGrp="1"/>
+          </p:cNvSpPr>
+          <p:nvPr>
+            <p:ph type="title"/>
+          </p:nvPr>
+        </p:nvSpPr>
+        <p:spPr/>
+        <p:txBody>
+          <a:bodyPr/>
+          <a:lstStyle/>
+          <a:p>
+            <a:r>
+              <a:rPr lang="en-US" dirty="0" smtClean="0"/>
+              <a:t>The Dispatcher Design</a:t>
+            </a:r>
+            <a:endParaRPr lang="en-US" dirty="0"/>
+          </a:p>
+        </p:txBody>
+      </p:sp>
+      <p:sp>
+        <p:nvSpPr>
+          <p:cNvPr id="2" name="Content Placeholder 1"/>
+          <p:cNvSpPr>
+            <a:spLocks noGrp="1"/>
+          </p:cNvSpPr>
+          <p:nvPr>
+            <p:ph idx="1"/>
+          </p:nvPr>
+        </p:nvSpPr>
+        <p:spPr/>
+        <p:txBody>
+          <a:bodyPr/>
+          <a:lstStyle/>
+          <a:p>
+            <a:r>
+              <a:rPr lang="en-CA" dirty="0" smtClean="0"/>
+              <a:t>Based off the requirement documentation provided by HHS</a:t>
+            </a:r>
+          </a:p>
+          <a:p>
+            <a:r>
+              <a:rPr lang="en-CA" dirty="0" smtClean="0"/>
+              <a:t>Algorithm that organizes pending jobs assigning each a Dispatch Value (DV)</a:t>
+            </a:r>
+          </a:p>
+          <a:p>
+            <a:r>
+              <a:rPr lang="en-CA" dirty="0" smtClean="0"/>
+              <a:t>Job with the highest Dispatch Value in the queue will be assigned to the next available porter</a:t>
+            </a:r>
+          </a:p>
+          <a:p>
+            <a:r>
+              <a:rPr lang="en-CA" dirty="0" smtClean="0"/>
+              <a:t>Dispatcher will increase the job priority of each job in its queue over a configurable amount of time</a:t>
+            </a:r>
+          </a:p>
+          <a:p>
+            <a:r>
+              <a:rPr lang="en-CA" dirty="0" smtClean="0"/>
+              <a:t>Dispatch Value = Job Priority * Appointment Factor</a:t>
+            </a:r>
+          </a:p>
+          <a:p>
+            <a:endParaRPr lang="en-CA" dirty="0" smtClean="0"/>
+          </a:p>
+          <a:p>
+            <a:endParaRPr lang="en-CA" dirty="0" smtClean="0"/>
+          </a:p>
+        </p:txBody>
+      </p:sp>
+    </p:spTree>
+    <p:extLst>
+      <p:ext uri="{BB962C8B-B14F-4D97-AF65-F5344CB8AC3E}">
+        <p14:creationId xmlns:p14="http://schemas.microsoft.com/office/powerpoint/2010/main" val="3653575317"/>
+      </p:ext>
+    </p:extLst>
+  </p:cSld>
+  <p:clrMapOvr>
+    <a:masterClrMapping/>
+  </p:clrMapOvr>
+  <mc:AlternateContent xmlns:mc="http://schemas.openxmlformats.org/markup-compatibility/2006" xmlns:p14="http://schemas.microsoft.com/office/powerpoint/2010/main">
+    <mc:Choice Requires="p14">
+      <p:transition spd="med" p14:dur="700">
+        <p:fade/>
+      </p:transition>
+    </mc:Choice>
+    <mc:Fallback xmlns="">
+      <p:transition spd="med">
+        <p:fade/>
+      </p:transition>
+    </mc:Fallback>
+  </mc:AlternateContent>
+  <p:timing>
+    <p:tnLst>
+      <p:par>
+        <p:cTn id="1" dur="indefinite" restart="never" nodeType="tmRoot"/>
+      </p:par>
+    </p:tnLst>
+  </p:timing>
+</p:sld>
+</file>
+
+<file path=ppt/slides/slide12.xml><?xml version="1.0" encoding="utf-8"?>
+<p:sld xmlns:a="http://schemas.openxmlformats.org/drawingml/2006/main" xmlns:r="http://schemas.openxmlformats.org/officeDocument/2006/relationships" xmlns:p="http://schemas.openxmlformats.org/presentationml/2006/main">
+  <p:cSld>
+    <p:spTree>
+      <p:nvGrpSpPr>
+        <p:cNvPr id="1" name=""/>
+        <p:cNvGrpSpPr/>
+        <p:nvPr/>
+      </p:nvGrpSpPr>
+      <p:grpSpPr>
+        <a:xfrm>
+          <a:off x="0" y="0"/>
+          <a:ext cx="0" cy="0"/>
+          <a:chOff x="0" y="0"/>
+          <a:chExt cx="0" cy="0"/>
+        </a:xfrm>
+      </p:grpSpPr>
+      <p:sp>
+        <p:nvSpPr>
+          <p:cNvPr id="13" name="Title 12"/>
+          <p:cNvSpPr>
+            <a:spLocks noGrp="1"/>
+          </p:cNvSpPr>
+          <p:nvPr>
+            <p:ph type="title"/>
+          </p:nvPr>
+        </p:nvSpPr>
+        <p:spPr/>
+        <p:txBody>
+          <a:bodyPr/>
+          <a:lstStyle/>
+          <a:p>
+            <a:r>
+              <a:rPr lang="en-US" dirty="0" smtClean="0"/>
+              <a:t>The Dispatcher Design</a:t>
+            </a:r>
+            <a:endParaRPr lang="en-US" dirty="0"/>
+          </a:p>
+        </p:txBody>
+      </p:sp>
+      <p:pic>
+        <p:nvPicPr>
+          <p:cNvPr id="4" name="Content Placeholder 3"/>
+          <p:cNvPicPr>
+            <a:picLocks noGrp="1" noChangeAspect="1"/>
+          </p:cNvPicPr>
+          <p:nvPr>
+            <p:ph idx="1"/>
+          </p:nvPr>
+        </p:nvPicPr>
+        <p:blipFill>
+          <a:blip r:embed="rId2">
+            <a:extLst>
+              <a:ext uri="{28A0092B-C50C-407E-A947-70E740481C1C}">
+                <a14:useLocalDpi xmlns:a14="http://schemas.microsoft.com/office/drawing/2010/main" val="0"/>
+              </a:ext>
+            </a:extLst>
+          </a:blip>
+          <a:stretch>
+            <a:fillRect/>
+          </a:stretch>
+        </p:blipFill>
+        <p:spPr>
+          <a:xfrm>
+            <a:off x="1219200" y="2725569"/>
+            <a:ext cx="10360025" cy="2414924"/>
+          </a:xfrm>
+        </p:spPr>
+      </p:pic>
+    </p:spTree>
+    <p:extLst>
+      <p:ext uri="{BB962C8B-B14F-4D97-AF65-F5344CB8AC3E}">
+        <p14:creationId xmlns:p14="http://schemas.microsoft.com/office/powerpoint/2010/main" val="1101453083"/>
+      </p:ext>
+    </p:extLst>
+  </p:cSld>
+  <p:clrMapOvr>
+    <a:masterClrMapping/>
+  </p:clrMapOvr>
+  <mc:AlternateContent xmlns:mc="http://schemas.openxmlformats.org/markup-compatibility/2006" xmlns:p14="http://schemas.microsoft.com/office/powerpoint/2010/main">
+    <mc:Choice Requires="p14">
+      <p:transition spd="med" p14:dur="700">
+        <p:fade/>
+      </p:transition>
+    </mc:Choice>
+    <mc:Fallback xmlns="">
+      <p:transition spd="med">
+        <p:fade/>
+      </p:transition>
+    </mc:Fallback>
+  </mc:AlternateContent>
+  <p:timing>
+    <p:tnLst>
+      <p:par>
+        <p:cTn id="1" dur="indefinite" restart="never" nodeType="tmRoot"/>
+      </p:par>
+    </p:tnLst>
+  </p:timing>
+</p:sld>
+</file>
+
+<file path=ppt/slides/slide13.xml><?xml version="1.0" encoding="utf-8"?>
+<p:sld xmlns:a="http://schemas.openxmlformats.org/drawingml/2006/main" xmlns:r="http://schemas.openxmlformats.org/officeDocument/2006/relationships" xmlns:p="http://schemas.openxmlformats.org/presentationml/2006/main">
+  <p:cSld>
+    <p:spTree>
+      <p:nvGrpSpPr>
+        <p:cNvPr id="1" name=""/>
+        <p:cNvGrpSpPr/>
+        <p:nvPr/>
+      </p:nvGrpSpPr>
+      <p:grpSpPr>
+        <a:xfrm>
+          <a:off x="0" y="0"/>
+          <a:ext cx="0" cy="0"/>
+          <a:chOff x="0" y="0"/>
+          <a:chExt cx="0" cy="0"/>
+        </a:xfrm>
+      </p:grpSpPr>
+      <p:sp>
+        <p:nvSpPr>
+          <p:cNvPr id="13" name="Title 12"/>
+          <p:cNvSpPr>
+            <a:spLocks noGrp="1"/>
+          </p:cNvSpPr>
+          <p:nvPr>
+            <p:ph type="title"/>
+          </p:nvPr>
+        </p:nvSpPr>
+        <p:spPr/>
+        <p:txBody>
+          <a:bodyPr/>
+          <a:lstStyle/>
+          <a:p>
+            <a:r>
+              <a:rPr lang="en-US" dirty="0" smtClean="0"/>
+              <a:t>Demo III</a:t>
+            </a:r>
+            <a:endParaRPr lang="en-US" dirty="0"/>
+          </a:p>
+        </p:txBody>
+      </p:sp>
+      <p:sp>
+        <p:nvSpPr>
+          <p:cNvPr id="3" name="Content Placeholder 2"/>
+          <p:cNvSpPr>
+            <a:spLocks noGrp="1"/>
+          </p:cNvSpPr>
+          <p:nvPr>
+            <p:ph idx="1"/>
+          </p:nvPr>
+        </p:nvSpPr>
+        <p:spPr/>
+        <p:txBody>
+          <a:bodyPr/>
+          <a:lstStyle/>
+          <a:p>
+            <a:endParaRPr lang="en-CA"/>
+          </a:p>
+        </p:txBody>
+      </p:sp>
+    </p:spTree>
+    <p:extLst>
+      <p:ext uri="{BB962C8B-B14F-4D97-AF65-F5344CB8AC3E}">
+        <p14:creationId xmlns:p14="http://schemas.microsoft.com/office/powerpoint/2010/main" val="3240325315"/>
+      </p:ext>
+    </p:extLst>
+  </p:cSld>
+  <p:clrMapOvr>
+    <a:masterClrMapping/>
+  </p:clrMapOvr>
+  <mc:AlternateContent xmlns:mc="http://schemas.openxmlformats.org/markup-compatibility/2006" xmlns:p14="http://schemas.microsoft.com/office/powerpoint/2010/main">
+    <mc:Choice Requires="p14">
+      <p:transition spd="med" p14:dur="700">
+        <p:fade/>
+      </p:transition>
+    </mc:Choice>
+    <mc:Fallback xmlns="">
+      <p:transition spd="med">
+        <p:fade/>
+      </p:transition>
+    </mc:Fallback>
+  </mc:AlternateContent>
+  <p:timing>
+    <p:tnLst>
+      <p:par>
+        <p:cTn id="1" dur="indefinite" restart="never" nodeType="tmRoot"/>
+      </p:par>
+    </p:tnLst>
+  </p:timing>
+</p:sld>
+</file>
+
+<file path=ppt/slides/slide14.xml><?xml version="1.0" encoding="utf-8"?>
+<p:sld xmlns:a="http://schemas.openxmlformats.org/drawingml/2006/main" xmlns:r="http://schemas.openxmlformats.org/officeDocument/2006/relationships" xmlns:p="http://schemas.openxmlformats.org/presentationml/2006/main">
+  <p:cSld>
+    <p:spTree>
+      <p:nvGrpSpPr>
+        <p:cNvPr id="1" name=""/>
+        <p:cNvGrpSpPr/>
+        <p:nvPr/>
+      </p:nvGrpSpPr>
+      <p:grpSpPr>
+        <a:xfrm>
+          <a:off x="0" y="0"/>
+          <a:ext cx="0" cy="0"/>
+          <a:chOff x="0" y="0"/>
+          <a:chExt cx="0" cy="0"/>
+        </a:xfrm>
+      </p:grpSpPr>
+      <p:sp>
+        <p:nvSpPr>
+          <p:cNvPr id="13" name="Title 12"/>
+          <p:cNvSpPr>
+            <a:spLocks noGrp="1"/>
+          </p:cNvSpPr>
+          <p:nvPr>
+            <p:ph type="title"/>
+          </p:nvPr>
+        </p:nvSpPr>
         <p:spPr>
           <a:xfrm>
             <a:off x="1218883" y="188640"/>
@@ -5382,14 +5794,38 @@
           <a:p>
             <a:r>
               <a:rPr lang="en-CA" dirty="0" smtClean="0"/>
-              <a:t>Convert the software to a web application with</a:t>
-            </a:r>
-          </a:p>
-          <a:p>
+              <a:t>Convert the software to a web </a:t>
+            </a:r>
             <a:r>
               <a:rPr lang="en-CA" dirty="0" smtClean="0"/>
-              <a:t>Allow other members of HHS to use the software without</a:t>
-            </a:r>
+              <a:t>application allowing more access to more users outside </a:t>
+            </a:r>
+            <a:r>
+              <a:rPr lang="en-CA" dirty="0" err="1" smtClean="0"/>
+              <a:t>Juravinski</a:t>
+            </a:r>
+            <a:endParaRPr lang="en-CA" dirty="0" smtClean="0"/>
+          </a:p>
+          <a:p>
+            <a:r>
+              <a:rPr lang="en-CA" dirty="0" smtClean="0"/>
+              <a:t>Allow for more portable output not anchored down by the excel application</a:t>
+            </a:r>
+          </a:p>
+          <a:p>
+            <a:r>
+              <a:rPr lang="en-CA" dirty="0" smtClean="0"/>
+              <a:t>Graphical Interface for Schedule Creation</a:t>
+            </a:r>
+          </a:p>
+          <a:p>
+            <a:r>
+              <a:rPr lang="en-CA" dirty="0" smtClean="0"/>
+              <a:t>Flexibility to be implemented to other health institutions and their data sets</a:t>
+            </a:r>
+            <a:endParaRPr lang="en-CA" dirty="0" smtClean="0"/>
+          </a:p>
+          <a:p>
             <a:endParaRPr lang="en-CA" dirty="0"/>
           </a:p>
         </p:txBody>
@@ -5398,6 +5834,85 @@
     <p:extLst>
       <p:ext uri="{BB962C8B-B14F-4D97-AF65-F5344CB8AC3E}">
         <p14:creationId xmlns:p14="http://schemas.microsoft.com/office/powerpoint/2010/main" val="2062179978"/>
+      </p:ext>
+    </p:extLst>
+  </p:cSld>
+  <p:clrMapOvr>
+    <a:masterClrMapping/>
+  </p:clrMapOvr>
+  <mc:AlternateContent xmlns:mc="http://schemas.openxmlformats.org/markup-compatibility/2006" xmlns:p14="http://schemas.microsoft.com/office/powerpoint/2010/main">
+    <mc:Choice Requires="p14">
+      <p:transition spd="med" p14:dur="700">
+        <p:fade/>
+      </p:transition>
+    </mc:Choice>
+    <mc:Fallback xmlns="">
+      <p:transition spd="med">
+        <p:fade/>
+      </p:transition>
+    </mc:Fallback>
+  </mc:AlternateContent>
+  <p:timing>
+    <p:tnLst>
+      <p:par>
+        <p:cTn id="1" dur="indefinite" restart="never" nodeType="tmRoot"/>
+      </p:par>
+    </p:tnLst>
+  </p:timing>
+</p:sld>
+</file>
+
+<file path=ppt/slides/slide15.xml><?xml version="1.0" encoding="utf-8"?>
+<p:sld xmlns:a="http://schemas.openxmlformats.org/drawingml/2006/main" xmlns:r="http://schemas.openxmlformats.org/officeDocument/2006/relationships" xmlns:p="http://schemas.openxmlformats.org/presentationml/2006/main">
+  <p:cSld>
+    <p:spTree>
+      <p:nvGrpSpPr>
+        <p:cNvPr id="1" name=""/>
+        <p:cNvGrpSpPr/>
+        <p:nvPr/>
+      </p:nvGrpSpPr>
+      <p:grpSpPr>
+        <a:xfrm>
+          <a:off x="0" y="0"/>
+          <a:ext cx="0" cy="0"/>
+          <a:chOff x="0" y="0"/>
+          <a:chExt cx="0" cy="0"/>
+        </a:xfrm>
+      </p:grpSpPr>
+      <p:sp>
+        <p:nvSpPr>
+          <p:cNvPr id="13" name="Title 12"/>
+          <p:cNvSpPr>
+            <a:spLocks noGrp="1"/>
+          </p:cNvSpPr>
+          <p:nvPr>
+            <p:ph type="title"/>
+          </p:nvPr>
+        </p:nvSpPr>
+        <p:spPr>
+          <a:xfrm>
+            <a:off x="3934172" y="2636912"/>
+            <a:ext cx="4371473" cy="1223963"/>
+          </a:xfrm>
+        </p:spPr>
+        <p:txBody>
+          <a:bodyPr>
+            <a:normAutofit/>
+          </a:bodyPr>
+          <a:lstStyle/>
+          <a:p>
+            <a:r>
+              <a:rPr lang="en-US" sz="7200" dirty="0" smtClean="0"/>
+              <a:t>Thank You</a:t>
+            </a:r>
+            <a:endParaRPr lang="en-US" sz="7200" dirty="0"/>
+          </a:p>
+        </p:txBody>
+      </p:sp>
+    </p:spTree>
+    <p:extLst>
+      <p:ext uri="{BB962C8B-B14F-4D97-AF65-F5344CB8AC3E}">
+        <p14:creationId xmlns:p14="http://schemas.microsoft.com/office/powerpoint/2010/main" val="4236171652"/>
       </p:ext>
     </p:extLst>
   </p:cSld>
@@ -5821,7 +6336,7 @@
           <a:p>
             <a:r>
               <a:rPr lang="en-US" dirty="0" smtClean="0"/>
-              <a:t>The Requirements</a:t>
+              <a:t>The Scope</a:t>
             </a:r>
             <a:endParaRPr lang="en-US" dirty="0"/>
           </a:p>
@@ -5847,31 +6362,41 @@
           <a:p>
             <a:r>
               <a:rPr lang="en-CA" dirty="0" smtClean="0"/>
-              <a:t>Easy to operate</a:t>
+              <a:t>Up to 7 day simulation</a:t>
             </a:r>
           </a:p>
           <a:p>
             <a:r>
               <a:rPr lang="en-CA" dirty="0" smtClean="0"/>
-              <a:t>Quick to execute</a:t>
-            </a:r>
-          </a:p>
-          <a:p>
+              <a:t>Concentrate </a:t>
+            </a:r>
             <a:r>
               <a:rPr lang="en-CA" dirty="0" smtClean="0"/>
-              <a:t>Provide relevant results data</a:t>
-            </a:r>
-          </a:p>
-          <a:p>
-            <a:pPr lvl="1"/>
-            <a:endParaRPr lang="en-CA" dirty="0"/>
+              <a:t>on porter </a:t>
+            </a:r>
+            <a:r>
+              <a:rPr lang="en-CA" dirty="0" smtClean="0"/>
+              <a:t>wait times</a:t>
+            </a:r>
+          </a:p>
+          <a:p>
+            <a:r>
+              <a:rPr lang="en-CA" dirty="0" smtClean="0"/>
+              <a:t>Exclusive use of real world statistical data</a:t>
+            </a:r>
+          </a:p>
+          <a:p>
+            <a:r>
+              <a:rPr lang="en-CA" dirty="0" smtClean="0"/>
+              <a:t>Mimicking of the dispatching system </a:t>
+            </a:r>
           </a:p>
         </p:txBody>
       </p:sp>
     </p:spTree>
     <p:extLst>
       <p:ext uri="{BB962C8B-B14F-4D97-AF65-F5344CB8AC3E}">
-        <p14:creationId xmlns:p14="http://schemas.microsoft.com/office/powerpoint/2010/main" val="3257805549"/>
+        <p14:creationId xmlns:p14="http://schemas.microsoft.com/office/powerpoint/2010/main" val="2879576753"/>
       </p:ext>
     </p:extLst>
   </p:cSld>
@@ -5939,7 +6464,7 @@
           <a:p>
             <a:r>
               <a:rPr lang="en-US" dirty="0" smtClean="0"/>
-              <a:t>The Scope</a:t>
+              <a:t>The Requirements</a:t>
             </a:r>
             <a:endParaRPr lang="en-US" dirty="0"/>
           </a:p>
@@ -5965,33 +6490,31 @@
           <a:p>
             <a:r>
               <a:rPr lang="en-CA" dirty="0" smtClean="0"/>
-              <a:t>Up to 7 day simulation</a:t>
+              <a:t>Easy to operate</a:t>
             </a:r>
           </a:p>
           <a:p>
             <a:r>
               <a:rPr lang="en-CA" dirty="0" smtClean="0"/>
-              <a:t>Concentrate of porter wait times</a:t>
+              <a:t>Quick to execute</a:t>
             </a:r>
           </a:p>
           <a:p>
             <a:r>
               <a:rPr lang="en-CA" dirty="0" smtClean="0"/>
-              <a:t>Exclusive use of real world statistical data</a:t>
-            </a:r>
-          </a:p>
-          <a:p>
-            <a:r>
-              <a:rPr lang="en-CA" dirty="0" smtClean="0"/>
-              <a:t>Mimicking of the dispatching system </a:t>
-            </a:r>
+              <a:t>Provide relevant results data</a:t>
+            </a:r>
+          </a:p>
+          <a:p>
+            <a:pPr lvl="1"/>
+            <a:endParaRPr lang="en-CA" dirty="0"/>
           </a:p>
         </p:txBody>
       </p:sp>
     </p:spTree>
     <p:extLst>
       <p:ext uri="{BB962C8B-B14F-4D97-AF65-F5344CB8AC3E}">
-        <p14:creationId xmlns:p14="http://schemas.microsoft.com/office/powerpoint/2010/main" val="2879576753"/>
+        <p14:creationId xmlns:p14="http://schemas.microsoft.com/office/powerpoint/2010/main" val="3257805549"/>
       </p:ext>
     </p:extLst>
   </p:cSld>
@@ -6095,19 +6618,7 @@
               <a:rPr lang="en-CA" dirty="0" smtClean="0">
                 <a:sym typeface="Wingdings" panose="05000000000000000000" pitchFamily="2" charset="2"/>
               </a:rPr>
-              <a:t> Input of Data Files  </a:t>
-            </a:r>
-            <a:r>
-              <a:rPr lang="en-CA" dirty="0" smtClean="0">
-                <a:sym typeface="Wingdings" panose="05000000000000000000" pitchFamily="2" charset="2"/>
-              </a:rPr>
-              <a:t>Statistical </a:t>
-            </a:r>
-            <a:r>
-              <a:rPr lang="en-CA" dirty="0" smtClean="0">
-                <a:sym typeface="Wingdings" panose="05000000000000000000" pitchFamily="2" charset="2"/>
-              </a:rPr>
-              <a:t>Graphs</a:t>
+              <a:t> Input of Data Files  Statistical Graphs</a:t>
             </a:r>
             <a:endParaRPr lang="en-CA" dirty="0" smtClean="0"/>
           </a:p>
@@ -6179,7 +6690,7 @@
           <a:p>
             <a:r>
               <a:rPr lang="en-US" dirty="0" smtClean="0"/>
-              <a:t>Demo</a:t>
+              <a:t>Demo I</a:t>
             </a:r>
             <a:endParaRPr lang="en-US" dirty="0"/>
           </a:p>
@@ -6270,11 +6781,7 @@
           <a:p>
             <a:r>
               <a:rPr lang="en-US" dirty="0" smtClean="0"/>
-              <a:t>The Simulation </a:t>
-            </a:r>
-            <a:r>
-              <a:rPr lang="en-US" dirty="0" smtClean="0"/>
-              <a:t>Data Sampling</a:t>
+              <a:t>The Simulation Data Sampling</a:t>
             </a:r>
             <a:endParaRPr lang="en-US" dirty="0"/>
           </a:p>
@@ -6282,11 +6789,13 @@
       </p:sp>
       <p:pic>
         <p:nvPicPr>
-          <p:cNvPr id="3" name="Picture 2"/>
+          <p:cNvPr id="2" name="Content Placeholder 1"/>
           <p:cNvPicPr>
-            <a:picLocks noChangeAspect="1"/>
+            <a:picLocks noGrp="1" noChangeAspect="1"/>
           </p:cNvPicPr>
-          <p:nvPr/>
+          <p:nvPr>
+            <p:ph idx="1"/>
+          </p:nvPr>
         </p:nvPicPr>
         <p:blipFill>
           <a:blip r:embed="rId2">
@@ -6302,18 +6811,251 @@
         </p:blipFill>
         <p:spPr>
           <a:xfrm>
-            <a:off x="3502124" y="1498600"/>
-            <a:ext cx="5500092" cy="5000084"/>
+            <a:off x="2779633" y="3501008"/>
+            <a:ext cx="7239000" cy="2771775"/>
+          </a:xfrm>
+        </p:spPr>
+      </p:pic>
+      <p:sp>
+        <p:nvSpPr>
+          <p:cNvPr id="5" name="Content Placeholder 1"/>
+          <p:cNvSpPr txBox="1">
+            <a:spLocks/>
+          </p:cNvSpPr>
+          <p:nvPr/>
+        </p:nvSpPr>
+        <p:spPr>
+          <a:xfrm>
+            <a:off x="1218883" y="1701797"/>
+            <a:ext cx="10360501" cy="1583187"/>
           </a:xfrm>
           <a:prstGeom prst="rect">
             <a:avLst/>
           </a:prstGeom>
         </p:spPr>
-      </p:pic>
+        <p:txBody>
+          <a:bodyPr vert="horz" lIns="121899" tIns="60949" rIns="121899" bIns="60949" rtlCol="0">
+            <a:normAutofit/>
+          </a:bodyPr>
+          <a:lstStyle>
+            <a:lvl1pPr marL="304747" indent="-304747" algn="l" defTabSz="1218987" rtl="0" eaLnBrk="1" latinLnBrk="0" hangingPunct="1">
+              <a:lnSpc>
+                <a:spcPct val="90000"/>
+              </a:lnSpc>
+              <a:spcBef>
+                <a:spcPts val="1600"/>
+              </a:spcBef>
+              <a:buClr>
+                <a:schemeClr val="accent1"/>
+              </a:buClr>
+              <a:buSzPct val="100000"/>
+              <a:buFont typeface="Arial" pitchFamily="34" charset="0"/>
+              <a:buChar char="•"/>
+              <a:defRPr sz="2800" kern="1200">
+                <a:solidFill>
+                  <a:schemeClr val="tx1"/>
+                </a:solidFill>
+                <a:latin typeface="+mn-lt"/>
+                <a:ea typeface="+mn-ea"/>
+                <a:cs typeface="+mn-cs"/>
+              </a:defRPr>
+            </a:lvl1pPr>
+            <a:lvl2pPr marL="609493" indent="-231607" algn="l" defTabSz="1218987" rtl="0" eaLnBrk="1" latinLnBrk="0" hangingPunct="1">
+              <a:lnSpc>
+                <a:spcPct val="90000"/>
+              </a:lnSpc>
+              <a:spcBef>
+                <a:spcPts val="800"/>
+              </a:spcBef>
+              <a:buClr>
+                <a:schemeClr val="accent1"/>
+              </a:buClr>
+              <a:buSzPct val="80000"/>
+              <a:buFont typeface="Arial" pitchFamily="34" charset="0"/>
+              <a:buChar char="•"/>
+              <a:defRPr sz="2400" kern="1200">
+                <a:solidFill>
+                  <a:schemeClr val="tx1"/>
+                </a:solidFill>
+                <a:latin typeface="+mn-lt"/>
+                <a:ea typeface="+mn-ea"/>
+                <a:cs typeface="+mn-cs"/>
+              </a:defRPr>
+            </a:lvl2pPr>
+            <a:lvl3pPr marL="914240" indent="-231607" algn="l" defTabSz="1218987" rtl="0" eaLnBrk="1" latinLnBrk="0" hangingPunct="1">
+              <a:lnSpc>
+                <a:spcPct val="90000"/>
+              </a:lnSpc>
+              <a:spcBef>
+                <a:spcPts val="800"/>
+              </a:spcBef>
+              <a:buClr>
+                <a:schemeClr val="accent1"/>
+              </a:buClr>
+              <a:buSzPct val="80000"/>
+              <a:buFont typeface="Arial" pitchFamily="34" charset="0"/>
+              <a:buChar char="•"/>
+              <a:defRPr sz="2000" kern="1200">
+                <a:solidFill>
+                  <a:schemeClr val="tx1"/>
+                </a:solidFill>
+                <a:latin typeface="+mn-lt"/>
+                <a:ea typeface="+mn-ea"/>
+                <a:cs typeface="+mn-cs"/>
+              </a:defRPr>
+            </a:lvl3pPr>
+            <a:lvl4pPr marL="1218987" indent="-231607" algn="l" defTabSz="1218987" rtl="0" eaLnBrk="1" latinLnBrk="0" hangingPunct="1">
+              <a:lnSpc>
+                <a:spcPct val="90000"/>
+              </a:lnSpc>
+              <a:spcBef>
+                <a:spcPts val="800"/>
+              </a:spcBef>
+              <a:buClr>
+                <a:schemeClr val="accent1"/>
+              </a:buClr>
+              <a:buSzPct val="80000"/>
+              <a:buFont typeface="Arial" pitchFamily="34" charset="0"/>
+              <a:buChar char="•"/>
+              <a:defRPr sz="2000" kern="1200">
+                <a:solidFill>
+                  <a:schemeClr val="tx1"/>
+                </a:solidFill>
+                <a:latin typeface="+mn-lt"/>
+                <a:ea typeface="+mn-ea"/>
+                <a:cs typeface="+mn-cs"/>
+              </a:defRPr>
+            </a:lvl4pPr>
+            <a:lvl5pPr marL="1523733" indent="-231607" algn="l" defTabSz="1218987" rtl="0" eaLnBrk="1" latinLnBrk="0" hangingPunct="1">
+              <a:lnSpc>
+                <a:spcPct val="90000"/>
+              </a:lnSpc>
+              <a:spcBef>
+                <a:spcPts val="800"/>
+              </a:spcBef>
+              <a:buClr>
+                <a:schemeClr val="accent1"/>
+              </a:buClr>
+              <a:buSzPct val="80000"/>
+              <a:buFont typeface="Arial" pitchFamily="34" charset="0"/>
+              <a:buChar char="•"/>
+              <a:defRPr sz="2000" kern="1200">
+                <a:solidFill>
+                  <a:schemeClr val="tx1"/>
+                </a:solidFill>
+                <a:latin typeface="+mn-lt"/>
+                <a:ea typeface="+mn-ea"/>
+                <a:cs typeface="+mn-cs"/>
+              </a:defRPr>
+            </a:lvl5pPr>
+            <a:lvl6pPr marL="1828480" indent="-231607" algn="l" defTabSz="1218987" rtl="0" eaLnBrk="1" latinLnBrk="0" hangingPunct="1">
+              <a:lnSpc>
+                <a:spcPct val="90000"/>
+              </a:lnSpc>
+              <a:spcBef>
+                <a:spcPts val="800"/>
+              </a:spcBef>
+              <a:buClr>
+                <a:schemeClr val="accent1"/>
+              </a:buClr>
+              <a:buSzPct val="80000"/>
+              <a:buFont typeface="Arial" pitchFamily="34" charset="0"/>
+              <a:buChar char="•"/>
+              <a:defRPr sz="2000" kern="1200">
+                <a:solidFill>
+                  <a:schemeClr val="tx1"/>
+                </a:solidFill>
+                <a:latin typeface="+mn-lt"/>
+                <a:ea typeface="+mn-ea"/>
+                <a:cs typeface="+mn-cs"/>
+              </a:defRPr>
+            </a:lvl6pPr>
+            <a:lvl7pPr marL="2133227" indent="-231607" algn="l" defTabSz="1218987" rtl="0" eaLnBrk="1" latinLnBrk="0" hangingPunct="1">
+              <a:lnSpc>
+                <a:spcPct val="90000"/>
+              </a:lnSpc>
+              <a:spcBef>
+                <a:spcPts val="800"/>
+              </a:spcBef>
+              <a:buClr>
+                <a:schemeClr val="accent1"/>
+              </a:buClr>
+              <a:buSzPct val="80000"/>
+              <a:buFont typeface="Arial" pitchFamily="34" charset="0"/>
+              <a:buChar char="•"/>
+              <a:defRPr sz="2000" kern="1200">
+                <a:solidFill>
+                  <a:schemeClr val="tx1"/>
+                </a:solidFill>
+                <a:latin typeface="+mn-lt"/>
+                <a:ea typeface="+mn-ea"/>
+                <a:cs typeface="+mn-cs"/>
+              </a:defRPr>
+            </a:lvl7pPr>
+            <a:lvl8pPr marL="2437973" indent="-231607" algn="l" defTabSz="1218987" rtl="0" eaLnBrk="1" latinLnBrk="0" hangingPunct="1">
+              <a:lnSpc>
+                <a:spcPct val="90000"/>
+              </a:lnSpc>
+              <a:spcBef>
+                <a:spcPts val="800"/>
+              </a:spcBef>
+              <a:buClr>
+                <a:schemeClr val="accent1"/>
+              </a:buClr>
+              <a:buSzPct val="80000"/>
+              <a:buFont typeface="Arial" pitchFamily="34" charset="0"/>
+              <a:buChar char="•"/>
+              <a:defRPr sz="2000" kern="1200" baseline="0">
+                <a:solidFill>
+                  <a:schemeClr val="tx1"/>
+                </a:solidFill>
+                <a:latin typeface="+mn-lt"/>
+                <a:ea typeface="+mn-ea"/>
+                <a:cs typeface="+mn-cs"/>
+              </a:defRPr>
+            </a:lvl8pPr>
+            <a:lvl9pPr marL="2742720" indent="-231607" algn="l" defTabSz="1218987" rtl="0" eaLnBrk="1" latinLnBrk="0" hangingPunct="1">
+              <a:lnSpc>
+                <a:spcPct val="90000"/>
+              </a:lnSpc>
+              <a:spcBef>
+                <a:spcPts val="800"/>
+              </a:spcBef>
+              <a:buClr>
+                <a:schemeClr val="accent1"/>
+              </a:buClr>
+              <a:buSzPct val="80000"/>
+              <a:buFont typeface="Arial" pitchFamily="34" charset="0"/>
+              <a:buChar char="•"/>
+              <a:defRPr sz="2000" kern="1200" baseline="0">
+                <a:solidFill>
+                  <a:schemeClr val="tx1"/>
+                </a:solidFill>
+                <a:latin typeface="+mn-lt"/>
+                <a:ea typeface="+mn-ea"/>
+                <a:cs typeface="+mn-cs"/>
+              </a:defRPr>
+            </a:lvl9pPr>
+          </a:lstStyle>
+          <a:p>
+            <a:r>
+              <a:rPr lang="en-CA" dirty="0" smtClean="0"/>
+              <a:t>Start day: Monday</a:t>
+            </a:r>
+          </a:p>
+          <a:p>
+            <a:r>
+              <a:rPr lang="en-CA" dirty="0" smtClean="0"/>
+              <a:t>Duration: Three days</a:t>
+            </a:r>
+            <a:endParaRPr lang="en-CA" dirty="0" smtClean="0"/>
+          </a:p>
+        </p:txBody>
+      </p:sp>
     </p:spTree>
     <p:extLst>
       <p:ext uri="{BB962C8B-B14F-4D97-AF65-F5344CB8AC3E}">
-        <p14:creationId xmlns:p14="http://schemas.microsoft.com/office/powerpoint/2010/main" val="349549753"/>
+        <p14:creationId xmlns:p14="http://schemas.microsoft.com/office/powerpoint/2010/main" val="2257227891"/>
       </p:ext>
     </p:extLst>
   </p:cSld>
@@ -6376,68 +7118,46 @@
           <a:p>
             <a:r>
               <a:rPr lang="en-US" dirty="0" smtClean="0"/>
-              <a:t>The Dispatcher Design</a:t>
+              <a:t>The Simulation Data Sampling</a:t>
             </a:r>
             <a:endParaRPr lang="en-US" dirty="0"/>
           </a:p>
         </p:txBody>
       </p:sp>
-      <p:sp>
-        <p:nvSpPr>
-          <p:cNvPr id="2" name="Content Placeholder 1"/>
-          <p:cNvSpPr>
-            <a:spLocks noGrp="1"/>
-          </p:cNvSpPr>
-          <p:nvPr>
-            <p:ph idx="1"/>
-          </p:nvPr>
-        </p:nvSpPr>
-        <p:spPr/>
-        <p:txBody>
-          <a:bodyPr/>
-          <a:lstStyle/>
-          <a:p>
-            <a:r>
-              <a:rPr lang="en-CA" dirty="0" smtClean="0"/>
-              <a:t>Based off the requirement documentation provided by HHS</a:t>
-            </a:r>
-          </a:p>
-          <a:p>
-            <a:r>
-              <a:rPr lang="en-CA" dirty="0" smtClean="0"/>
-              <a:t>Algorithm that organizes pending jobs assigning each a Dispatch Value (DV)</a:t>
-            </a:r>
-          </a:p>
-          <a:p>
-            <a:r>
-              <a:rPr lang="en-CA" dirty="0" smtClean="0"/>
-              <a:t>Job with the highest Dispatch Value in the queue will be assigned to the next available porter</a:t>
-            </a:r>
-          </a:p>
-          <a:p>
-            <a:r>
-              <a:rPr lang="en-CA" dirty="0" smtClean="0"/>
-              <a:t>Dispatcher will increase the job priority of each job in its queue over a configurable amount of time</a:t>
-            </a:r>
-          </a:p>
-          <a:p>
-            <a:r>
-              <a:rPr lang="en-CA" dirty="0" smtClean="0"/>
-              <a:t>Dispatch Value = Job Priority * Appointment Factor</a:t>
-            </a:r>
-          </a:p>
-          <a:p>
-            <a:endParaRPr lang="en-CA" dirty="0" smtClean="0"/>
-          </a:p>
-          <a:p>
-            <a:endParaRPr lang="en-CA" dirty="0" smtClean="0"/>
-          </a:p>
-        </p:txBody>
-      </p:sp>
+      <p:pic>
+        <p:nvPicPr>
+          <p:cNvPr id="3" name="Picture 2"/>
+          <p:cNvPicPr>
+            <a:picLocks noChangeAspect="1"/>
+          </p:cNvPicPr>
+          <p:nvPr/>
+        </p:nvPicPr>
+        <p:blipFill>
+          <a:blip r:embed="rId2">
+            <a:extLst>
+              <a:ext uri="{28A0092B-C50C-407E-A947-70E740481C1C}">
+                <a14:useLocalDpi xmlns:a14="http://schemas.microsoft.com/office/drawing/2010/main" val="0"/>
+              </a:ext>
+            </a:extLst>
+          </a:blip>
+          <a:stretch>
+            <a:fillRect/>
+          </a:stretch>
+        </p:blipFill>
+        <p:spPr>
+          <a:xfrm>
+            <a:off x="3502124" y="1498600"/>
+            <a:ext cx="5500092" cy="5000084"/>
+          </a:xfrm>
+          <a:prstGeom prst="rect">
+            <a:avLst/>
+          </a:prstGeom>
+        </p:spPr>
+      </p:pic>
     </p:spTree>
     <p:extLst>
       <p:ext uri="{BB962C8B-B14F-4D97-AF65-F5344CB8AC3E}">
-        <p14:creationId xmlns:p14="http://schemas.microsoft.com/office/powerpoint/2010/main" val="3653575317"/>
+        <p14:creationId xmlns:p14="http://schemas.microsoft.com/office/powerpoint/2010/main" val="349549753"/>
       </p:ext>
     </p:extLst>
   </p:cSld>
